--- a/figure/01_table1.pptx
+++ b/figure/01_table1.pptx
@@ -4,7 +4,7 @@
   <p:sldMasterIdLst>
     <p:sldMasterId id="2147483648" r:id="rId1"/>
   </p:sldMasterIdLst>
-  <p:sldIdLst xmlns:a="http://schemas.openxmlformats.org/drawingml/2006/main" xmlns:r="http://schemas.openxmlformats.org/officeDocument/2006/relationships" xmlns:p="http://schemas.openxmlformats.org/presentationml/2006/main">
+  <p:sldIdLst>
     <p:sldId id="256" r:id="rId8"/>
   </p:sldIdLst>
   <p:sldSz cx="9144000" cy="6858000" type="screen4x3"/>
@@ -2214,7 +2214,7 @@
           <a:chExt cx="0" cy="0"/>
         </a:xfrm>
       </p:grpSpPr>
-      <p:graphicFrame xmlns:a="http://schemas.openxmlformats.org/drawingml/2006/main" xmlns:r="http://schemas.openxmlformats.org/officeDocument/2006/relationships" xmlns:p="http://schemas.openxmlformats.org/presentationml/2006/main">
+      <p:graphicFrame>
         <p:nvGraphicFramePr>
           <p:cNvPr id="2" name="Content Placeholder 2"/>
           <p:cNvGraphicFramePr>
@@ -2571,7 +2571,7 @@
                       </a:r>
                     </a:p>
                   </a:txBody>
-                  <a:tcPr anchor="ctr" marB="0" marT="0" marR="0" marL="0">
+                  <a:tcPr anchor="t" marB="0" marT="0" marR="0" marL="0">
                     <a:lnL w="0" cmpd="sng" algn="ctr" cap="flat">
                       <a:solidFill>
                         <a:srgbClr val="FFFFFF">
@@ -2639,7 +2639,7 @@
                       </a:r>
                     </a:p>
                   </a:txBody>
-                  <a:tcPr anchor="ctr" marB="0" marT="0" marR="0" marL="0">
+                  <a:tcPr anchor="t" marB="0" marT="0" marR="0" marL="0">
                     <a:lnL w="0" cmpd="sng" algn="ctr" cap="flat">
                       <a:solidFill>
                         <a:srgbClr val="FFFFFF">
@@ -2777,7 +2777,7 @@
                       </a:r>
                     </a:p>
                   </a:txBody>
-                  <a:tcPr anchor="ctr" marB="0" marT="0" marR="0" marL="0">
+                  <a:tcPr anchor="t" marB="0" marT="0" marR="0" marL="0">
                     <a:lnL w="0" cmpd="sng" algn="ctr" cap="flat">
                       <a:solidFill>
                         <a:srgbClr val="FFFFFF">
@@ -2845,7 +2845,7 @@
                       </a:r>
                     </a:p>
                   </a:txBody>
-                  <a:tcPr anchor="ctr" marB="0" marT="0" marR="0" marL="0">
+                  <a:tcPr anchor="t" marB="0" marT="0" marR="0" marL="0">
                     <a:lnL w="0" cmpd="sng" algn="ctr" cap="flat">
                       <a:solidFill>
                         <a:srgbClr val="FFFFFF">
@@ -2983,7 +2983,7 @@
                       </a:r>
                     </a:p>
                   </a:txBody>
-                  <a:tcPr anchor="ctr" marB="0" marT="0" marR="0" marL="0">
+                  <a:tcPr anchor="t" marB="0" marT="0" marR="0" marL="0">
                     <a:lnL w="0" cmpd="sng" algn="ctr" cap="flat">
                       <a:solidFill>
                         <a:srgbClr val="FFFFFF">
@@ -3051,7 +3051,7 @@
                       </a:r>
                     </a:p>
                   </a:txBody>
-                  <a:tcPr anchor="ctr" marB="0" marT="0" marR="0" marL="0">
+                  <a:tcPr anchor="t" marB="0" marT="0" marR="0" marL="0">
                     <a:lnL w="0" cmpd="sng" algn="ctr" cap="flat">
                       <a:solidFill>
                         <a:srgbClr val="FFFFFF">
@@ -3189,7 +3189,7 @@
                       </a:r>
                     </a:p>
                   </a:txBody>
-                  <a:tcPr anchor="ctr" marB="0" marT="0" marR="0" marL="0">
+                  <a:tcPr anchor="t" marB="0" marT="0" marR="0" marL="0">
                     <a:lnL w="0" cmpd="sng" algn="ctr" cap="flat">
                       <a:solidFill>
                         <a:srgbClr val="FFFFFF">
@@ -3257,7 +3257,7 @@
                       </a:r>
                     </a:p>
                   </a:txBody>
-                  <a:tcPr anchor="ctr" marB="0" marT="0" marR="0" marL="0">
+                  <a:tcPr anchor="t" marB="0" marT="0" marR="0" marL="0">
                     <a:lnL w="0" cmpd="sng" algn="ctr" cap="flat">
                       <a:solidFill>
                         <a:srgbClr val="FFFFFF">
@@ -3395,7 +3395,7 @@
                       </a:r>
                     </a:p>
                   </a:txBody>
-                  <a:tcPr anchor="ctr" marB="0" marT="0" marR="0" marL="0">
+                  <a:tcPr anchor="t" marB="0" marT="0" marR="0" marL="0">
                     <a:lnL w="0" cmpd="sng" algn="ctr" cap="flat">
                       <a:solidFill>
                         <a:srgbClr val="FFFFFF">
@@ -3463,7 +3463,7 @@
                       </a:r>
                     </a:p>
                   </a:txBody>
-                  <a:tcPr anchor="ctr" marB="0" marT="0" marR="0" marL="0">
+                  <a:tcPr anchor="t" marB="0" marT="0" marR="0" marL="0">
                     <a:lnL w="0" cmpd="sng" algn="ctr" cap="flat">
                       <a:solidFill>
                         <a:srgbClr val="FFFFFF">
@@ -3601,7 +3601,7 @@
                       </a:r>
                     </a:p>
                   </a:txBody>
-                  <a:tcPr anchor="ctr" marB="0" marT="0" marR="0" marL="0">
+                  <a:tcPr anchor="t" marB="0" marT="0" marR="0" marL="0">
                     <a:lnL w="0" cmpd="sng" algn="ctr" cap="flat">
                       <a:solidFill>
                         <a:srgbClr val="FFFFFF">
@@ -3669,7 +3669,7 @@
                       </a:r>
                     </a:p>
                   </a:txBody>
-                  <a:tcPr anchor="ctr" marB="0" marT="0" marR="0" marL="0">
+                  <a:tcPr anchor="t" marB="0" marT="0" marR="0" marL="0">
                     <a:lnL w="0" cmpd="sng" algn="ctr" cap="flat">
                       <a:solidFill>
                         <a:srgbClr val="FFFFFF">
@@ -3807,7 +3807,7 @@
                       </a:r>
                     </a:p>
                   </a:txBody>
-                  <a:tcPr anchor="ctr" marB="0" marT="0" marR="0" marL="0">
+                  <a:tcPr anchor="t" marB="0" marT="0" marR="0" marL="0">
                     <a:lnL w="0" cmpd="sng" algn="ctr" cap="flat">
                       <a:solidFill>
                         <a:srgbClr val="FFFFFF">
@@ -3875,7 +3875,7 @@
                       </a:r>
                     </a:p>
                   </a:txBody>
-                  <a:tcPr anchor="ctr" marB="0" marT="0" marR="0" marL="0">
+                  <a:tcPr anchor="t" marB="0" marT="0" marR="0" marL="0">
                     <a:lnL w="0" cmpd="sng" algn="ctr" cap="flat">
                       <a:solidFill>
                         <a:srgbClr val="FFFFFF">
@@ -4013,7 +4013,7 @@
                       </a:r>
                     </a:p>
                   </a:txBody>
-                  <a:tcPr anchor="ctr" marB="0" marT="0" marR="0" marL="0">
+                  <a:tcPr anchor="t" marB="0" marT="0" marR="0" marL="0">
                     <a:lnL w="0" cmpd="sng" algn="ctr" cap="flat">
                       <a:solidFill>
                         <a:srgbClr val="FFFFFF">
@@ -4081,7 +4081,7 @@
                       </a:r>
                     </a:p>
                   </a:txBody>
-                  <a:tcPr anchor="ctr" marB="0" marT="0" marR="0" marL="0">
+                  <a:tcPr anchor="t" marB="0" marT="0" marR="0" marL="0">
                     <a:lnL w="0" cmpd="sng" algn="ctr" cap="flat">
                       <a:solidFill>
                         <a:srgbClr val="FFFFFF">
@@ -4219,7 +4219,7 @@
                       </a:r>
                     </a:p>
                   </a:txBody>
-                  <a:tcPr anchor="ctr" marB="0" marT="0" marR="0" marL="0">
+                  <a:tcPr anchor="t" marB="0" marT="0" marR="0" marL="0">
                     <a:lnL w="0" cmpd="sng" algn="ctr" cap="flat">
                       <a:solidFill>
                         <a:srgbClr val="FFFFFF">
@@ -4287,7 +4287,7 @@
                       </a:r>
                     </a:p>
                   </a:txBody>
-                  <a:tcPr anchor="ctr" marB="0" marT="0" marR="0" marL="0">
+                  <a:tcPr anchor="t" marB="0" marT="0" marR="0" marL="0">
                     <a:lnL w="0" cmpd="sng" algn="ctr" cap="flat">
                       <a:solidFill>
                         <a:srgbClr val="FFFFFF">
@@ -4425,7 +4425,7 @@
                       </a:r>
                     </a:p>
                   </a:txBody>
-                  <a:tcPr anchor="ctr" marB="0" marT="0" marR="0" marL="0">
+                  <a:tcPr anchor="t" marB="0" marT="0" marR="0" marL="0">
                     <a:lnL w="0" cmpd="sng" algn="ctr" cap="flat">
                       <a:solidFill>
                         <a:srgbClr val="FFFFFF">
@@ -4493,7 +4493,7 @@
                       </a:r>
                     </a:p>
                   </a:txBody>
-                  <a:tcPr anchor="ctr" marB="0" marT="0" marR="0" marL="0">
+                  <a:tcPr anchor="t" marB="0" marT="0" marR="0" marL="0">
                     <a:lnL w="0" cmpd="sng" algn="ctr" cap="flat">
                       <a:solidFill>
                         <a:srgbClr val="FFFFFF">
@@ -4631,7 +4631,7 @@
                       </a:r>
                     </a:p>
                   </a:txBody>
-                  <a:tcPr anchor="ctr" marB="0" marT="0" marR="0" marL="0">
+                  <a:tcPr anchor="t" marB="0" marT="0" marR="0" marL="0">
                     <a:lnL w="0" cmpd="sng" algn="ctr" cap="flat">
                       <a:solidFill>
                         <a:srgbClr val="FFFFFF">
@@ -4699,7 +4699,7 @@
                       </a:r>
                     </a:p>
                   </a:txBody>
-                  <a:tcPr anchor="ctr" marB="0" marT="0" marR="0" marL="0">
+                  <a:tcPr anchor="t" marB="0" marT="0" marR="0" marL="0">
                     <a:lnL w="0" cmpd="sng" algn="ctr" cap="flat">
                       <a:solidFill>
                         <a:srgbClr val="FFFFFF">
@@ -4837,7 +4837,7 @@
                       </a:r>
                     </a:p>
                   </a:txBody>
-                  <a:tcPr anchor="ctr" marB="0" marT="0" marR="0" marL="0">
+                  <a:tcPr anchor="t" marB="0" marT="0" marR="0" marL="0">
                     <a:lnL w="0" cmpd="sng" algn="ctr" cap="flat">
                       <a:solidFill>
                         <a:srgbClr val="FFFFFF">
@@ -4905,7 +4905,7 @@
                       </a:r>
                     </a:p>
                   </a:txBody>
-                  <a:tcPr anchor="ctr" marB="0" marT="0" marR="0" marL="0">
+                  <a:tcPr anchor="t" marB="0" marT="0" marR="0" marL="0">
                     <a:lnL w="0" cmpd="sng" algn="ctr" cap="flat">
                       <a:solidFill>
                         <a:srgbClr val="FFFFFF">
@@ -5043,7 +5043,7 @@
                       </a:r>
                     </a:p>
                   </a:txBody>
-                  <a:tcPr anchor="ctr" marB="0" marT="0" marR="0" marL="0">
+                  <a:tcPr anchor="t" marB="0" marT="0" marR="0" marL="0">
                     <a:lnL w="0" cmpd="sng" algn="ctr" cap="flat">
                       <a:solidFill>
                         <a:srgbClr val="FFFFFF">
@@ -5111,7 +5111,7 @@
                       </a:r>
                     </a:p>
                   </a:txBody>
-                  <a:tcPr anchor="ctr" marB="0" marT="0" marR="0" marL="0">
+                  <a:tcPr anchor="t" marB="0" marT="0" marR="0" marL="0">
                     <a:lnL w="0" cmpd="sng" algn="ctr" cap="flat">
                       <a:solidFill>
                         <a:srgbClr val="FFFFFF">
@@ -5249,7 +5249,7 @@
                       </a:r>
                     </a:p>
                   </a:txBody>
-                  <a:tcPr anchor="ctr" marB="0" marT="0" marR="0" marL="0">
+                  <a:tcPr anchor="t" marB="0" marT="0" marR="0" marL="0">
                     <a:lnL w="0" cmpd="sng" algn="ctr" cap="flat">
                       <a:solidFill>
                         <a:srgbClr val="FFFFFF">
@@ -5317,7 +5317,7 @@
                       </a:r>
                     </a:p>
                   </a:txBody>
-                  <a:tcPr anchor="ctr" marB="0" marT="0" marR="0" marL="0">
+                  <a:tcPr anchor="t" marB="0" marT="0" marR="0" marL="0">
                     <a:lnL w="0" cmpd="sng" algn="ctr" cap="flat">
                       <a:solidFill>
                         <a:srgbClr val="FFFFFF">
@@ -5455,7 +5455,7 @@
                       </a:r>
                     </a:p>
                   </a:txBody>
-                  <a:tcPr anchor="ctr" marB="0" marT="0" marR="0" marL="0">
+                  <a:tcPr anchor="t" marB="0" marT="0" marR="0" marL="0">
                     <a:lnL w="0" cmpd="sng" algn="ctr" cap="flat">
                       <a:solidFill>
                         <a:srgbClr val="FFFFFF">
@@ -5523,7 +5523,7 @@
                       </a:r>
                     </a:p>
                   </a:txBody>
-                  <a:tcPr anchor="ctr" marB="0" marT="0" marR="0" marL="0">
+                  <a:tcPr anchor="t" marB="0" marT="0" marR="0" marL="0">
                     <a:lnL w="0" cmpd="sng" algn="ctr" cap="flat">
                       <a:solidFill>
                         <a:srgbClr val="FFFFFF">
@@ -5661,7 +5661,7 @@
                       </a:r>
                     </a:p>
                   </a:txBody>
-                  <a:tcPr anchor="ctr" marB="0" marT="0" marR="0" marL="0">
+                  <a:tcPr anchor="t" marB="0" marT="0" marR="0" marL="0">
                     <a:lnL w="0" cmpd="sng" algn="ctr" cap="flat">
                       <a:solidFill>
                         <a:srgbClr val="FFFFFF">
@@ -5729,7 +5729,7 @@
                       </a:r>
                     </a:p>
                   </a:txBody>
-                  <a:tcPr anchor="ctr" marB="0" marT="0" marR="0" marL="0">
+                  <a:tcPr anchor="t" marB="0" marT="0" marR="0" marL="0">
                     <a:lnL w="0" cmpd="sng" algn="ctr" cap="flat">
                       <a:solidFill>
                         <a:srgbClr val="FFFFFF">
@@ -5867,7 +5867,7 @@
                       </a:r>
                     </a:p>
                   </a:txBody>
-                  <a:tcPr anchor="ctr" marB="0" marT="0" marR="0" marL="0">
+                  <a:tcPr anchor="t" marB="0" marT="0" marR="0" marL="0">
                     <a:lnL w="0" cmpd="sng" algn="ctr" cap="flat">
                       <a:solidFill>
                         <a:srgbClr val="FFFFFF">
@@ -5935,7 +5935,7 @@
                       </a:r>
                     </a:p>
                   </a:txBody>
-                  <a:tcPr anchor="ctr" marB="0" marT="0" marR="0" marL="0">
+                  <a:tcPr anchor="t" marB="0" marT="0" marR="0" marL="0">
                     <a:lnL w="0" cmpd="sng" algn="ctr" cap="flat">
                       <a:solidFill>
                         <a:srgbClr val="FFFFFF">
@@ -6073,7 +6073,7 @@
                       </a:r>
                     </a:p>
                   </a:txBody>
-                  <a:tcPr anchor="ctr" marB="0" marT="0" marR="0" marL="0">
+                  <a:tcPr anchor="t" marB="0" marT="0" marR="0" marL="0">
                     <a:lnL w="0" cmpd="sng" algn="ctr" cap="flat">
                       <a:solidFill>
                         <a:srgbClr val="FFFFFF">
@@ -6141,7 +6141,7 @@
                       </a:r>
                     </a:p>
                   </a:txBody>
-                  <a:tcPr anchor="ctr" marB="0" marT="0" marR="0" marL="0">
+                  <a:tcPr anchor="t" marB="0" marT="0" marR="0" marL="0">
                     <a:lnL w="0" cmpd="sng" algn="ctr" cap="flat">
                       <a:solidFill>
                         <a:srgbClr val="FFFFFF">
@@ -6279,7 +6279,7 @@
                       </a:r>
                     </a:p>
                   </a:txBody>
-                  <a:tcPr anchor="ctr" marB="0" marT="0" marR="0" marL="0">
+                  <a:tcPr anchor="t" marB="0" marT="0" marR="0" marL="0">
                     <a:lnL w="0" cmpd="sng" algn="ctr" cap="flat">
                       <a:solidFill>
                         <a:srgbClr val="FFFFFF">
@@ -6347,7 +6347,7 @@
                       </a:r>
                     </a:p>
                   </a:txBody>
-                  <a:tcPr anchor="ctr" marB="0" marT="0" marR="0" marL="0">
+                  <a:tcPr anchor="t" marB="0" marT="0" marR="0" marL="0">
                     <a:lnL w="0" cmpd="sng" algn="ctr" cap="flat">
                       <a:solidFill>
                         <a:srgbClr val="FFFFFF">
@@ -6485,7 +6485,7 @@
                       </a:r>
                     </a:p>
                   </a:txBody>
-                  <a:tcPr anchor="ctr" marB="0" marT="0" marR="0" marL="0">
+                  <a:tcPr anchor="t" marB="0" marT="0" marR="0" marL="0">
                     <a:lnL w="0" cmpd="sng" algn="ctr" cap="flat">
                       <a:solidFill>
                         <a:srgbClr val="FFFFFF">
@@ -6553,7 +6553,7 @@
                       </a:r>
                     </a:p>
                   </a:txBody>
-                  <a:tcPr anchor="ctr" marB="0" marT="0" marR="0" marL="0">
+                  <a:tcPr anchor="t" marB="0" marT="0" marR="0" marL="0">
                     <a:lnL w="0" cmpd="sng" algn="ctr" cap="flat">
                       <a:solidFill>
                         <a:srgbClr val="FFFFFF">
